--- a/PROJETO META alarme - Gustavo_Bruno/Template-Poster-META-2023.pptx
+++ b/PROJETO META alarme - Gustavo_Bruno/Template-Poster-META-2023.pptx
@@ -257,7 +257,7 @@
       </p15:sldGuideLst>
     </p:ext>
     <p:ext uri="GoogleSlidesCustomDataVersion2">
-      <go:slidesCustomData xmlns:go="http://customooxmlschemas.google.com/" r:id="rId7" roundtripDataSignature="AMtx7mjvBCxhhoJp2F7sfqeiJe3GlFB2RQ=="/>
+      <go:slidesCustomData xmlns:go="http://customooxmlschemas.google.com/" r:id="rId7" roundtripDataSignature="AMtx7mh9gPOaXmn7LzBpQ7FmguOFFMH6jQ=="/>
     </p:ext>
   </p:extLst>
 </p:presentation>
@@ -7761,8 +7761,8 @@
         </p:nvSpPr>
         <p:spPr>
           <a:xfrm>
-            <a:off x="14766265" y="29148707"/>
-            <a:ext cx="13319640" cy="921876"/>
+            <a:off x="14766265" y="26241832"/>
+            <a:ext cx="13319700" cy="921900"/>
           </a:xfrm>
           <a:prstGeom prst="rect">
             <a:avLst/>
@@ -8143,8 +8143,8 @@
         </p:nvSpPr>
         <p:spPr>
           <a:xfrm>
-            <a:off x="14758950" y="30635162"/>
-            <a:ext cx="13319640" cy="3784198"/>
+            <a:off x="14757525" y="27763562"/>
+            <a:ext cx="13319700" cy="3784200"/>
           </a:xfrm>
           <a:prstGeom prst="rect">
             <a:avLst/>
@@ -8626,6 +8626,152 @@
           </a:ln>
         </p:spPr>
       </p:pic>
+      <p:sp>
+        <p:nvSpPr>
+          <p:cNvPr id="84" name="Google Shape;84;p1"/>
+          <p:cNvSpPr/>
+          <p:nvPr/>
+        </p:nvSpPr>
+        <p:spPr>
+          <a:xfrm>
+            <a:off x="14766265" y="32147582"/>
+            <a:ext cx="13319700" cy="921900"/>
+          </a:xfrm>
+          <a:prstGeom prst="rect">
+            <a:avLst/>
+          </a:prstGeom>
+          <a:solidFill>
+            <a:srgbClr val="5F497A"/>
+          </a:solidFill>
+          <a:ln>
+            <a:noFill/>
+          </a:ln>
+        </p:spPr>
+        <p:txBody>
+          <a:bodyPr anchorCtr="0" anchor="t" bIns="45000" lIns="90000" spcFirstLastPara="1" rIns="90000" wrap="square" tIns="45000">
+            <a:noAutofit/>
+          </a:bodyPr>
+          <a:lstStyle/>
+          <a:p>
+            <a:pPr indent="0" lvl="0" marL="0" marR="0" rtl="0" algn="ctr">
+              <a:lnSpc>
+                <a:spcPct val="100000"/>
+              </a:lnSpc>
+              <a:spcBef>
+                <a:spcPts val="0"/>
+              </a:spcBef>
+              <a:spcAft>
+                <a:spcPts val="0"/>
+              </a:spcAft>
+              <a:buNone/>
+            </a:pPr>
+            <a:r>
+              <a:rPr b="1" lang="pt-BR" sz="5400">
+                <a:solidFill>
+                  <a:schemeClr val="lt1"/>
+                </a:solidFill>
+              </a:rPr>
+              <a:t>AGRADECIMENTOS</a:t>
+            </a:r>
+            <a:endParaRPr b="0" i="0" sz="5400" u="none" cap="none" strike="noStrike">
+              <a:solidFill>
+                <a:schemeClr val="lt1"/>
+              </a:solidFill>
+              <a:latin typeface="Arial"/>
+              <a:ea typeface="Arial"/>
+              <a:cs typeface="Arial"/>
+              <a:sym typeface="Arial"/>
+            </a:endParaRPr>
+          </a:p>
+        </p:txBody>
+      </p:sp>
+      <p:sp>
+        <p:nvSpPr>
+          <p:cNvPr id="85" name="Google Shape;85;p1"/>
+          <p:cNvSpPr/>
+          <p:nvPr/>
+        </p:nvSpPr>
+        <p:spPr>
+          <a:xfrm>
+            <a:off x="14766275" y="33447665"/>
+            <a:ext cx="13319700" cy="3168600"/>
+          </a:xfrm>
+          <a:prstGeom prst="rect">
+            <a:avLst/>
+          </a:prstGeom>
+          <a:noFill/>
+          <a:ln>
+            <a:noFill/>
+          </a:ln>
+        </p:spPr>
+        <p:txBody>
+          <a:bodyPr anchorCtr="0" anchor="t" bIns="45000" lIns="90000" spcFirstLastPara="1" rIns="90000" wrap="square" tIns="45000">
+            <a:noAutofit/>
+          </a:bodyPr>
+          <a:lstStyle/>
+          <a:p>
+            <a:pPr indent="0" lvl="0" marL="0" rtl="0" algn="just">
+              <a:lnSpc>
+                <a:spcPct val="115000"/>
+              </a:lnSpc>
+              <a:spcBef>
+                <a:spcPts val="0"/>
+              </a:spcBef>
+              <a:spcAft>
+                <a:spcPts val="0"/>
+              </a:spcAft>
+              <a:buClr>
+                <a:schemeClr val="dk1"/>
+              </a:buClr>
+              <a:buSzPts val="1100"/>
+              <a:buFont typeface="Arial"/>
+              <a:buNone/>
+            </a:pPr>
+            <a:r>
+              <a:rPr lang="pt-BR" sz="3900">
+                <a:solidFill>
+                  <a:schemeClr val="dk1"/>
+                </a:solidFill>
+                <a:highlight>
+                  <a:schemeClr val="lt1"/>
+                </a:highlight>
+                <a:latin typeface="Verdana"/>
+                <a:ea typeface="Verdana"/>
+                <a:cs typeface="Verdana"/>
+                <a:sym typeface="Verdana"/>
+              </a:rPr>
+              <a:t>Os autores do trabalho agradecem à DIRGRAD/CEFET-MG pelo suporte à realização do trabalho através do Programa Institucional de Educação Tutorial.</a:t>
+            </a:r>
+            <a:endParaRPr sz="3900">
+              <a:solidFill>
+                <a:schemeClr val="dk1"/>
+              </a:solidFill>
+              <a:latin typeface="Verdana"/>
+              <a:ea typeface="Verdana"/>
+              <a:cs typeface="Verdana"/>
+              <a:sym typeface="Verdana"/>
+            </a:endParaRPr>
+          </a:p>
+          <a:p>
+            <a:pPr indent="0" lvl="0" marL="0" marR="0" rtl="0" algn="just">
+              <a:lnSpc>
+                <a:spcPct val="100000"/>
+              </a:lnSpc>
+              <a:spcBef>
+                <a:spcPts val="0"/>
+              </a:spcBef>
+              <a:spcAft>
+                <a:spcPts val="0"/>
+              </a:spcAft>
+              <a:buNone/>
+            </a:pPr>
+            <a:r>
+              <a:t/>
+            </a:r>
+            <a:endParaRPr sz="4000"/>
+          </a:p>
+        </p:txBody>
+      </p:sp>
     </p:spTree>
   </p:cSld>
   <p:clrMapOvr>
@@ -8635,6 +8781,285 @@
 </file>
 
 <file path=ppt/theme/theme1.xml><?xml version="1.0" encoding="utf-8"?>
+<a:theme xmlns:a="http://schemas.openxmlformats.org/drawingml/2006/main" xmlns:r="http://schemas.openxmlformats.org/officeDocument/2006/relationships">
+  <a:themeElements>
+    <a:clrScheme name="Default">
+      <a:dk1>
+        <a:srgbClr val="000000"/>
+      </a:dk1>
+      <a:lt1>
+        <a:srgbClr val="FFFFFF"/>
+      </a:lt1>
+      <a:dk2>
+        <a:srgbClr val="158158"/>
+      </a:dk2>
+      <a:lt2>
+        <a:srgbClr val="F3F3F3"/>
+      </a:lt2>
+      <a:accent1>
+        <a:srgbClr val="058DC7"/>
+      </a:accent1>
+      <a:accent2>
+        <a:srgbClr val="50B432"/>
+      </a:accent2>
+      <a:accent3>
+        <a:srgbClr val="ED561B"/>
+      </a:accent3>
+      <a:accent4>
+        <a:srgbClr val="EDEF00"/>
+      </a:accent4>
+      <a:accent5>
+        <a:srgbClr val="24CBE5"/>
+      </a:accent5>
+      <a:accent6>
+        <a:srgbClr val="64E572"/>
+      </a:accent6>
+      <a:hlink>
+        <a:srgbClr val="2200CC"/>
+      </a:hlink>
+      <a:folHlink>
+        <a:srgbClr val="551A8B"/>
+      </a:folHlink>
+    </a:clrScheme>
+    <a:fontScheme name="Office">
+      <a:majorFont>
+        <a:latin typeface="Arial"/>
+        <a:ea typeface=""/>
+        <a:cs typeface=""/>
+        <a:font script="Jpan" typeface="ＭＳ Ｐゴシック"/>
+        <a:font script="Hang" typeface="맑은 고딕"/>
+        <a:font script="Hans" typeface="宋体"/>
+        <a:font script="Hant" typeface="新細明體"/>
+        <a:font script="Arab" typeface="Times New Roman"/>
+        <a:font script="Hebr" typeface="Times New Roman"/>
+        <a:font script="Thai" typeface="Angsana New"/>
+        <a:font script="Ethi" typeface="Nyala"/>
+        <a:font script="Beng" typeface="Vrinda"/>
+        <a:font script="Gujr" typeface="Shruti"/>
+        <a:font script="Khmr" typeface="MoolBoran"/>
+        <a:font script="Knda" typeface="Tunga"/>
+        <a:font script="Guru" typeface="Raavi"/>
+        <a:font script="Cans" typeface="Euphemia"/>
+        <a:font script="Cher" typeface="Plantagenet Cherokee"/>
+        <a:font script="Yiii" typeface="Microsoft Yi Baiti"/>
+        <a:font script="Tibt" typeface="Microsoft Himalaya"/>
+        <a:font script="Thaa" typeface="MV Boli"/>
+        <a:font script="Deva" typeface="Mangal"/>
+        <a:font script="Telu" typeface="Gautami"/>
+        <a:font script="Taml" typeface="Latha"/>
+        <a:font script="Syrc" typeface="Estrangelo Edessa"/>
+        <a:font script="Orya" typeface="Kalinga"/>
+        <a:font script="Mlym" typeface="Kartika"/>
+        <a:font script="Laoo" typeface="DokChampa"/>
+        <a:font script="Sinh" typeface="Iskoola Pota"/>
+        <a:font script="Mong" typeface="Mongolian Baiti"/>
+        <a:font script="Viet" typeface="Times New Roman"/>
+        <a:font script="Uigh" typeface="Microsoft Uighur"/>
+        <a:font script="Geor" typeface="Sylfaen"/>
+      </a:majorFont>
+      <a:minorFont>
+        <a:latin typeface="Arial"/>
+        <a:ea typeface=""/>
+        <a:cs typeface=""/>
+        <a:font script="Jpan" typeface="ＭＳ Ｐゴシック"/>
+        <a:font script="Hang" typeface="맑은 고딕"/>
+        <a:font script="Hans" typeface="宋体"/>
+        <a:font script="Hant" typeface="新細明體"/>
+        <a:font script="Arab" typeface="Arial"/>
+        <a:font script="Hebr" typeface="Arial"/>
+        <a:font script="Thai" typeface="Cordia New"/>
+        <a:font script="Ethi" typeface="Nyala"/>
+        <a:font script="Beng" typeface="Vrinda"/>
+        <a:font script="Gujr" typeface="Shruti"/>
+        <a:font script="Khmr" typeface="DaunPenh"/>
+        <a:font script="Knda" typeface="Tunga"/>
+        <a:font script="Guru" typeface="Raavi"/>
+        <a:font script="Cans" typeface="Euphemia"/>
+        <a:font script="Cher" typeface="Plantagenet Cherokee"/>
+        <a:font script="Yiii" typeface="Microsoft Yi Baiti"/>
+        <a:font script="Tibt" typeface="Microsoft Himalaya"/>
+        <a:font script="Thaa" typeface="MV Boli"/>
+        <a:font script="Deva" typeface="Mangal"/>
+        <a:font script="Telu" typeface="Gautami"/>
+        <a:font script="Taml" typeface="Latha"/>
+        <a:font script="Syrc" typeface="Estrangelo Edessa"/>
+        <a:font script="Orya" typeface="Kalinga"/>
+        <a:font script="Mlym" typeface="Kartika"/>
+        <a:font script="Laoo" typeface="DokChampa"/>
+        <a:font script="Sinh" typeface="Iskoola Pota"/>
+        <a:font script="Mong" typeface="Mongolian Baiti"/>
+        <a:font script="Viet" typeface="Arial"/>
+        <a:font script="Uigh" typeface="Microsoft Uighur"/>
+        <a:font script="Geor" typeface="Sylfaen"/>
+      </a:minorFont>
+    </a:fontScheme>
+    <a:fmtScheme name="Office">
+      <a:fillStyleLst>
+        <a:solidFill>
+          <a:schemeClr val="phClr"/>
+        </a:solidFill>
+        <a:gradFill rotWithShape="1">
+          <a:gsLst>
+            <a:gs pos="0">
+              <a:schemeClr val="phClr">
+                <a:tint val="50000"/>
+                <a:satMod val="300000"/>
+              </a:schemeClr>
+            </a:gs>
+            <a:gs pos="35000">
+              <a:schemeClr val="phClr">
+                <a:tint val="37000"/>
+                <a:satMod val="300000"/>
+              </a:schemeClr>
+            </a:gs>
+            <a:gs pos="100000">
+              <a:schemeClr val="phClr">
+                <a:tint val="15000"/>
+                <a:satMod val="350000"/>
+              </a:schemeClr>
+            </a:gs>
+          </a:gsLst>
+          <a:lin ang="16200000" scaled="1"/>
+        </a:gradFill>
+        <a:gradFill rotWithShape="1">
+          <a:gsLst>
+            <a:gs pos="0">
+              <a:schemeClr val="phClr">
+                <a:tint val="100000"/>
+                <a:shade val="100000"/>
+                <a:satMod val="130000"/>
+              </a:schemeClr>
+            </a:gs>
+            <a:gs pos="100000">
+              <a:schemeClr val="phClr">
+                <a:tint val="50000"/>
+                <a:shade val="100000"/>
+                <a:satMod val="350000"/>
+              </a:schemeClr>
+            </a:gs>
+          </a:gsLst>
+          <a:lin ang="16200000" scaled="0"/>
+        </a:gradFill>
+      </a:fillStyleLst>
+      <a:lnStyleLst>
+        <a:ln w="9525" cap="flat" cmpd="sng" algn="ctr">
+          <a:solidFill>
+            <a:schemeClr val="phClr">
+              <a:shade val="95000"/>
+              <a:satMod val="105000"/>
+            </a:schemeClr>
+          </a:solidFill>
+          <a:prstDash val="solid"/>
+        </a:ln>
+        <a:ln w="25400" cap="flat" cmpd="sng" algn="ctr">
+          <a:solidFill>
+            <a:schemeClr val="phClr"/>
+          </a:solidFill>
+          <a:prstDash val="solid"/>
+        </a:ln>
+        <a:ln w="38100" cap="flat" cmpd="sng" algn="ctr">
+          <a:solidFill>
+            <a:schemeClr val="phClr"/>
+          </a:solidFill>
+          <a:prstDash val="solid"/>
+        </a:ln>
+      </a:lnStyleLst>
+      <a:effectStyleLst>
+        <a:effectStyle>
+          <a:effectLst>
+            <a:outerShdw blurRad="40000" dist="20000" dir="5400000" rotWithShape="0">
+              <a:srgbClr val="000000">
+                <a:alpha val="38000"/>
+              </a:srgbClr>
+            </a:outerShdw>
+          </a:effectLst>
+        </a:effectStyle>
+        <a:effectStyle>
+          <a:effectLst>
+            <a:outerShdw blurRad="40000" dist="23000" dir="5400000" rotWithShape="0">
+              <a:srgbClr val="000000">
+                <a:alpha val="35000"/>
+              </a:srgbClr>
+            </a:outerShdw>
+          </a:effectLst>
+        </a:effectStyle>
+        <a:effectStyle>
+          <a:effectLst>
+            <a:outerShdw blurRad="40000" dist="23000" dir="5400000" rotWithShape="0">
+              <a:srgbClr val="000000">
+                <a:alpha val="35000"/>
+              </a:srgbClr>
+            </a:outerShdw>
+          </a:effectLst>
+          <a:scene3d>
+            <a:camera prst="orthographicFront">
+              <a:rot lat="0" lon="0" rev="0"/>
+            </a:camera>
+            <a:lightRig rig="threePt" dir="t">
+              <a:rot lat="0" lon="0" rev="1200000"/>
+            </a:lightRig>
+          </a:scene3d>
+          <a:sp3d>
+            <a:bevelT w="63500" h="25400"/>
+          </a:sp3d>
+        </a:effectStyle>
+      </a:effectStyleLst>
+      <a:bgFillStyleLst>
+        <a:solidFill>
+          <a:schemeClr val="phClr"/>
+        </a:solidFill>
+        <a:gradFill rotWithShape="1">
+          <a:gsLst>
+            <a:gs pos="0">
+              <a:schemeClr val="phClr">
+                <a:tint val="40000"/>
+                <a:satMod val="350000"/>
+              </a:schemeClr>
+            </a:gs>
+            <a:gs pos="40000">
+              <a:schemeClr val="phClr">
+                <a:tint val="45000"/>
+                <a:shade val="99000"/>
+                <a:satMod val="350000"/>
+              </a:schemeClr>
+            </a:gs>
+            <a:gs pos="100000">
+              <a:schemeClr val="phClr">
+                <a:shade val="20000"/>
+                <a:satMod val="255000"/>
+              </a:schemeClr>
+            </a:gs>
+          </a:gsLst>
+          <a:path path="circle">
+            <a:fillToRect l="50000" t="-80000" r="50000" b="180000"/>
+          </a:path>
+        </a:gradFill>
+        <a:gradFill rotWithShape="1">
+          <a:gsLst>
+            <a:gs pos="0">
+              <a:schemeClr val="phClr">
+                <a:tint val="80000"/>
+                <a:satMod val="300000"/>
+              </a:schemeClr>
+            </a:gs>
+            <a:gs pos="100000">
+              <a:schemeClr val="phClr">
+                <a:shade val="30000"/>
+                <a:satMod val="200000"/>
+              </a:schemeClr>
+            </a:gs>
+          </a:gsLst>
+          <a:path path="circle">
+            <a:fillToRect l="50000" t="50000" r="50000" b="50000"/>
+          </a:path>
+        </a:gradFill>
+      </a:bgFillStyleLst>
+    </a:fmtScheme>
+  </a:themeElements>
+</a:theme>
+</file>
+
+<file path=ppt/theme/theme2.xml><?xml version="1.0" encoding="utf-8"?>
 <a:theme xmlns:a="http://schemas.openxmlformats.org/drawingml/2006/main" xmlns:r="http://schemas.openxmlformats.org/officeDocument/2006/relationships" name="Office Theme">
   <a:themeElements>
     <a:clrScheme name="Office">
@@ -8911,283 +9336,4 @@
     </a:fmtScheme>
   </a:themeElements>
 </a:theme>
-</file>
-
-<file path=ppt/theme/theme2.xml><?xml version="1.0" encoding="utf-8"?>
-<a:theme xmlns:a="http://schemas.openxmlformats.org/drawingml/2006/main" xmlns:r="http://schemas.openxmlformats.org/officeDocument/2006/relationships">
-  <a:themeElements>
-    <a:clrScheme name="Default">
-      <a:dk1>
-        <a:srgbClr val="000000"/>
-      </a:dk1>
-      <a:lt1>
-        <a:srgbClr val="FFFFFF"/>
-      </a:lt1>
-      <a:dk2>
-        <a:srgbClr val="158158"/>
-      </a:dk2>
-      <a:lt2>
-        <a:srgbClr val="F3F3F3"/>
-      </a:lt2>
-      <a:accent1>
-        <a:srgbClr val="058DC7"/>
-      </a:accent1>
-      <a:accent2>
-        <a:srgbClr val="50B432"/>
-      </a:accent2>
-      <a:accent3>
-        <a:srgbClr val="ED561B"/>
-      </a:accent3>
-      <a:accent4>
-        <a:srgbClr val="EDEF00"/>
-      </a:accent4>
-      <a:accent5>
-        <a:srgbClr val="24CBE5"/>
-      </a:accent5>
-      <a:accent6>
-        <a:srgbClr val="64E572"/>
-      </a:accent6>
-      <a:hlink>
-        <a:srgbClr val="2200CC"/>
-      </a:hlink>
-      <a:folHlink>
-        <a:srgbClr val="551A8B"/>
-      </a:folHlink>
-    </a:clrScheme>
-    <a:fontScheme name="Office">
-      <a:majorFont>
-        <a:latin typeface="Arial"/>
-        <a:ea typeface=""/>
-        <a:cs typeface=""/>
-        <a:font script="Jpan" typeface="ＭＳ Ｐゴシック"/>
-        <a:font script="Hang" typeface="맑은 고딕"/>
-        <a:font script="Hans" typeface="宋体"/>
-        <a:font script="Hant" typeface="新細明體"/>
-        <a:font script="Arab" typeface="Times New Roman"/>
-        <a:font script="Hebr" typeface="Times New Roman"/>
-        <a:font script="Thai" typeface="Angsana New"/>
-        <a:font script="Ethi" typeface="Nyala"/>
-        <a:font script="Beng" typeface="Vrinda"/>
-        <a:font script="Gujr" typeface="Shruti"/>
-        <a:font script="Khmr" typeface="MoolBoran"/>
-        <a:font script="Knda" typeface="Tunga"/>
-        <a:font script="Guru" typeface="Raavi"/>
-        <a:font script="Cans" typeface="Euphemia"/>
-        <a:font script="Cher" typeface="Plantagenet Cherokee"/>
-        <a:font script="Yiii" typeface="Microsoft Yi Baiti"/>
-        <a:font script="Tibt" typeface="Microsoft Himalaya"/>
-        <a:font script="Thaa" typeface="MV Boli"/>
-        <a:font script="Deva" typeface="Mangal"/>
-        <a:font script="Telu" typeface="Gautami"/>
-        <a:font script="Taml" typeface="Latha"/>
-        <a:font script="Syrc" typeface="Estrangelo Edessa"/>
-        <a:font script="Orya" typeface="Kalinga"/>
-        <a:font script="Mlym" typeface="Kartika"/>
-        <a:font script="Laoo" typeface="DokChampa"/>
-        <a:font script="Sinh" typeface="Iskoola Pota"/>
-        <a:font script="Mong" typeface="Mongolian Baiti"/>
-        <a:font script="Viet" typeface="Times New Roman"/>
-        <a:font script="Uigh" typeface="Microsoft Uighur"/>
-        <a:font script="Geor" typeface="Sylfaen"/>
-      </a:majorFont>
-      <a:minorFont>
-        <a:latin typeface="Arial"/>
-        <a:ea typeface=""/>
-        <a:cs typeface=""/>
-        <a:font script="Jpan" typeface="ＭＳ Ｐゴシック"/>
-        <a:font script="Hang" typeface="맑은 고딕"/>
-        <a:font script="Hans" typeface="宋体"/>
-        <a:font script="Hant" typeface="新細明體"/>
-        <a:font script="Arab" typeface="Arial"/>
-        <a:font script="Hebr" typeface="Arial"/>
-        <a:font script="Thai" typeface="Cordia New"/>
-        <a:font script="Ethi" typeface="Nyala"/>
-        <a:font script="Beng" typeface="Vrinda"/>
-        <a:font script="Gujr" typeface="Shruti"/>
-        <a:font script="Khmr" typeface="DaunPenh"/>
-        <a:font script="Knda" typeface="Tunga"/>
-        <a:font script="Guru" typeface="Raavi"/>
-        <a:font script="Cans" typeface="Euphemia"/>
-        <a:font script="Cher" typeface="Plantagenet Cherokee"/>
-        <a:font script="Yiii" typeface="Microsoft Yi Baiti"/>
-        <a:font script="Tibt" typeface="Microsoft Himalaya"/>
-        <a:font script="Thaa" typeface="MV Boli"/>
-        <a:font script="Deva" typeface="Mangal"/>
-        <a:font script="Telu" typeface="Gautami"/>
-        <a:font script="Taml" typeface="Latha"/>
-        <a:font script="Syrc" typeface="Estrangelo Edessa"/>
-        <a:font script="Orya" typeface="Kalinga"/>
-        <a:font script="Mlym" typeface="Kartika"/>
-        <a:font script="Laoo" typeface="DokChampa"/>
-        <a:font script="Sinh" typeface="Iskoola Pota"/>
-        <a:font script="Mong" typeface="Mongolian Baiti"/>
-        <a:font script="Viet" typeface="Arial"/>
-        <a:font script="Uigh" typeface="Microsoft Uighur"/>
-        <a:font script="Geor" typeface="Sylfaen"/>
-      </a:minorFont>
-    </a:fontScheme>
-    <a:fmtScheme name="Office">
-      <a:fillStyleLst>
-        <a:solidFill>
-          <a:schemeClr val="phClr"/>
-        </a:solidFill>
-        <a:gradFill rotWithShape="1">
-          <a:gsLst>
-            <a:gs pos="0">
-              <a:schemeClr val="phClr">
-                <a:tint val="50000"/>
-                <a:satMod val="300000"/>
-              </a:schemeClr>
-            </a:gs>
-            <a:gs pos="35000">
-              <a:schemeClr val="phClr">
-                <a:tint val="37000"/>
-                <a:satMod val="300000"/>
-              </a:schemeClr>
-            </a:gs>
-            <a:gs pos="100000">
-              <a:schemeClr val="phClr">
-                <a:tint val="15000"/>
-                <a:satMod val="350000"/>
-              </a:schemeClr>
-            </a:gs>
-          </a:gsLst>
-          <a:lin ang="16200000" scaled="1"/>
-        </a:gradFill>
-        <a:gradFill rotWithShape="1">
-          <a:gsLst>
-            <a:gs pos="0">
-              <a:schemeClr val="phClr">
-                <a:tint val="100000"/>
-                <a:shade val="100000"/>
-                <a:satMod val="130000"/>
-              </a:schemeClr>
-            </a:gs>
-            <a:gs pos="100000">
-              <a:schemeClr val="phClr">
-                <a:tint val="50000"/>
-                <a:shade val="100000"/>
-                <a:satMod val="350000"/>
-              </a:schemeClr>
-            </a:gs>
-          </a:gsLst>
-          <a:lin ang="16200000" scaled="0"/>
-        </a:gradFill>
-      </a:fillStyleLst>
-      <a:lnStyleLst>
-        <a:ln w="9525" cap="flat" cmpd="sng" algn="ctr">
-          <a:solidFill>
-            <a:schemeClr val="phClr">
-              <a:shade val="95000"/>
-              <a:satMod val="105000"/>
-            </a:schemeClr>
-          </a:solidFill>
-          <a:prstDash val="solid"/>
-        </a:ln>
-        <a:ln w="25400" cap="flat" cmpd="sng" algn="ctr">
-          <a:solidFill>
-            <a:schemeClr val="phClr"/>
-          </a:solidFill>
-          <a:prstDash val="solid"/>
-        </a:ln>
-        <a:ln w="38100" cap="flat" cmpd="sng" algn="ctr">
-          <a:solidFill>
-            <a:schemeClr val="phClr"/>
-          </a:solidFill>
-          <a:prstDash val="solid"/>
-        </a:ln>
-      </a:lnStyleLst>
-      <a:effectStyleLst>
-        <a:effectStyle>
-          <a:effectLst>
-            <a:outerShdw blurRad="40000" dist="20000" dir="5400000" rotWithShape="0">
-              <a:srgbClr val="000000">
-                <a:alpha val="38000"/>
-              </a:srgbClr>
-            </a:outerShdw>
-          </a:effectLst>
-        </a:effectStyle>
-        <a:effectStyle>
-          <a:effectLst>
-            <a:outerShdw blurRad="40000" dist="23000" dir="5400000" rotWithShape="0">
-              <a:srgbClr val="000000">
-                <a:alpha val="35000"/>
-              </a:srgbClr>
-            </a:outerShdw>
-          </a:effectLst>
-        </a:effectStyle>
-        <a:effectStyle>
-          <a:effectLst>
-            <a:outerShdw blurRad="40000" dist="23000" dir="5400000" rotWithShape="0">
-              <a:srgbClr val="000000">
-                <a:alpha val="35000"/>
-              </a:srgbClr>
-            </a:outerShdw>
-          </a:effectLst>
-          <a:scene3d>
-            <a:camera prst="orthographicFront">
-              <a:rot lat="0" lon="0" rev="0"/>
-            </a:camera>
-            <a:lightRig rig="threePt" dir="t">
-              <a:rot lat="0" lon="0" rev="1200000"/>
-            </a:lightRig>
-          </a:scene3d>
-          <a:sp3d>
-            <a:bevelT w="63500" h="25400"/>
-          </a:sp3d>
-        </a:effectStyle>
-      </a:effectStyleLst>
-      <a:bgFillStyleLst>
-        <a:solidFill>
-          <a:schemeClr val="phClr"/>
-        </a:solidFill>
-        <a:gradFill rotWithShape="1">
-          <a:gsLst>
-            <a:gs pos="0">
-              <a:schemeClr val="phClr">
-                <a:tint val="40000"/>
-                <a:satMod val="350000"/>
-              </a:schemeClr>
-            </a:gs>
-            <a:gs pos="40000">
-              <a:schemeClr val="phClr">
-                <a:tint val="45000"/>
-                <a:shade val="99000"/>
-                <a:satMod val="350000"/>
-              </a:schemeClr>
-            </a:gs>
-            <a:gs pos="100000">
-              <a:schemeClr val="phClr">
-                <a:shade val="20000"/>
-                <a:satMod val="255000"/>
-              </a:schemeClr>
-            </a:gs>
-          </a:gsLst>
-          <a:path path="circle">
-            <a:fillToRect l="50000" t="-80000" r="50000" b="180000"/>
-          </a:path>
-        </a:gradFill>
-        <a:gradFill rotWithShape="1">
-          <a:gsLst>
-            <a:gs pos="0">
-              <a:schemeClr val="phClr">
-                <a:tint val="80000"/>
-                <a:satMod val="300000"/>
-              </a:schemeClr>
-            </a:gs>
-            <a:gs pos="100000">
-              <a:schemeClr val="phClr">
-                <a:shade val="30000"/>
-                <a:satMod val="200000"/>
-              </a:schemeClr>
-            </a:gs>
-          </a:gsLst>
-          <a:path path="circle">
-            <a:fillToRect l="50000" t="50000" r="50000" b="50000"/>
-          </a:path>
-        </a:gradFill>
-      </a:bgFillStyleLst>
-    </a:fmtScheme>
-  </a:themeElements>
-</a:theme>
 </file>
--- a/PROJETO META alarme - Gustavo_Bruno/Template-Poster-META-2023.pptx
+++ b/PROJETO META alarme - Gustavo_Bruno/Template-Poster-META-2023.pptx
@@ -7917,16 +7917,8 @@
               <a:buNone/>
             </a:pPr>
             <a:r>
-              <a:rPr b="0" i="0" lang="pt-BR" sz="4000" u="none" cap="none" strike="noStrike">
-                <a:solidFill>
-                  <a:srgbClr val="000000"/>
-                </a:solidFill>
-                <a:latin typeface="Arial"/>
-                <a:ea typeface="Arial"/>
-                <a:cs typeface="Arial"/>
-                <a:sym typeface="Arial"/>
-              </a:rPr>
-              <a:t>A preocupação com a segurança é algo frequente na vida dos brasileiros, pensando nisso, e muito comum a utilização de dispositivos de segurança, como cercas elétricas, alarmes, etc. Entretanto, muitos destes dispositivos tem um custo alto, seja do produto ou de sua instalação, por isso, muitas casas não possuem esses recursos, pois seus proprietários se recusam a investir nisso.</a:t>
+              <a:rPr lang="pt-BR" sz="4000"/>
+              <a:t>A preocupação com a segurança é algo frequente na vida dos brasileiros, pensando nisso, é muito comum a utilização de dispositivos de segurança como cercas elétricas, câmeras, alarmes, etc. Entretanto, muitos destes dispositivos tem custo alto, seja do produto ou para sua instalação, desincentivando o proprietário a adquiri-lo.</a:t>
             </a:r>
             <a:endParaRPr b="0" i="0" sz="4000" u="none" cap="none" strike="noStrike">
               <a:solidFill>
@@ -8781,6 +8773,285 @@
 </file>
 
 <file path=ppt/theme/theme1.xml><?xml version="1.0" encoding="utf-8"?>
+<a:theme xmlns:a="http://schemas.openxmlformats.org/drawingml/2006/main" xmlns:r="http://schemas.openxmlformats.org/officeDocument/2006/relationships" name="Office Theme">
+  <a:themeElements>
+    <a:clrScheme name="Office">
+      <a:dk1>
+        <a:srgbClr val="000000"/>
+      </a:dk1>
+      <a:lt1>
+        <a:srgbClr val="FFFFFF"/>
+      </a:lt1>
+      <a:dk2>
+        <a:srgbClr val="1F497D"/>
+      </a:dk2>
+      <a:lt2>
+        <a:srgbClr val="EEECE1"/>
+      </a:lt2>
+      <a:accent1>
+        <a:srgbClr val="4F81BD"/>
+      </a:accent1>
+      <a:accent2>
+        <a:srgbClr val="C0504D"/>
+      </a:accent2>
+      <a:accent3>
+        <a:srgbClr val="9BBB59"/>
+      </a:accent3>
+      <a:accent4>
+        <a:srgbClr val="8064A2"/>
+      </a:accent4>
+      <a:accent5>
+        <a:srgbClr val="4BACC6"/>
+      </a:accent5>
+      <a:accent6>
+        <a:srgbClr val="F79646"/>
+      </a:accent6>
+      <a:hlink>
+        <a:srgbClr val="0000FF"/>
+      </a:hlink>
+      <a:folHlink>
+        <a:srgbClr val="800080"/>
+      </a:folHlink>
+    </a:clrScheme>
+    <a:fontScheme name="Office">
+      <a:majorFont>
+        <a:latin typeface="Arial"/>
+        <a:ea typeface=""/>
+        <a:cs typeface=""/>
+        <a:font script="Jpan" typeface="ＭＳ Ｐゴシック"/>
+        <a:font script="Hang" typeface="맑은 고딕"/>
+        <a:font script="Hans" typeface="宋体"/>
+        <a:font script="Hant" typeface="新細明體"/>
+        <a:font script="Arab" typeface="Times New Roman"/>
+        <a:font script="Hebr" typeface="Times New Roman"/>
+        <a:font script="Thai" typeface="Angsana New"/>
+        <a:font script="Ethi" typeface="Nyala"/>
+        <a:font script="Beng" typeface="Vrinda"/>
+        <a:font script="Gujr" typeface="Shruti"/>
+        <a:font script="Khmr" typeface="MoolBoran"/>
+        <a:font script="Knda" typeface="Tunga"/>
+        <a:font script="Guru" typeface="Raavi"/>
+        <a:font script="Cans" typeface="Euphemia"/>
+        <a:font script="Cher" typeface="Plantagenet Cherokee"/>
+        <a:font script="Yiii" typeface="Microsoft Yi Baiti"/>
+        <a:font script="Tibt" typeface="Microsoft Himalaya"/>
+        <a:font script="Thaa" typeface="MV Boli"/>
+        <a:font script="Deva" typeface="Mangal"/>
+        <a:font script="Telu" typeface="Gautami"/>
+        <a:font script="Taml" typeface="Latha"/>
+        <a:font script="Syrc" typeface="Estrangelo Edessa"/>
+        <a:font script="Orya" typeface="Kalinga"/>
+        <a:font script="Mlym" typeface="Kartika"/>
+        <a:font script="Laoo" typeface="DokChampa"/>
+        <a:font script="Sinh" typeface="Iskoola Pota"/>
+        <a:font script="Mong" typeface="Mongolian Baiti"/>
+        <a:font script="Viet" typeface="Times New Roman"/>
+        <a:font script="Uigh" typeface="Microsoft Uighur"/>
+        <a:font script="Geor" typeface="Sylfaen"/>
+      </a:majorFont>
+      <a:minorFont>
+        <a:latin typeface="Arial"/>
+        <a:ea typeface=""/>
+        <a:cs typeface=""/>
+        <a:font script="Jpan" typeface="ＭＳ Ｐゴシック"/>
+        <a:font script="Hang" typeface="맑은 고딕"/>
+        <a:font script="Hans" typeface="宋体"/>
+        <a:font script="Hant" typeface="新細明體"/>
+        <a:font script="Arab" typeface="Arial"/>
+        <a:font script="Hebr" typeface="Arial"/>
+        <a:font script="Thai" typeface="Cordia New"/>
+        <a:font script="Ethi" typeface="Nyala"/>
+        <a:font script="Beng" typeface="Vrinda"/>
+        <a:font script="Gujr" typeface="Shruti"/>
+        <a:font script="Khmr" typeface="DaunPenh"/>
+        <a:font script="Knda" typeface="Tunga"/>
+        <a:font script="Guru" typeface="Raavi"/>
+        <a:font script="Cans" typeface="Euphemia"/>
+        <a:font script="Cher" typeface="Plantagenet Cherokee"/>
+        <a:font script="Yiii" typeface="Microsoft Yi Baiti"/>
+        <a:font script="Tibt" typeface="Microsoft Himalaya"/>
+        <a:font script="Thaa" typeface="MV Boli"/>
+        <a:font script="Deva" typeface="Mangal"/>
+        <a:font script="Telu" typeface="Gautami"/>
+        <a:font script="Taml" typeface="Latha"/>
+        <a:font script="Syrc" typeface="Estrangelo Edessa"/>
+        <a:font script="Orya" typeface="Kalinga"/>
+        <a:font script="Mlym" typeface="Kartika"/>
+        <a:font script="Laoo" typeface="DokChampa"/>
+        <a:font script="Sinh" typeface="Iskoola Pota"/>
+        <a:font script="Mong" typeface="Mongolian Baiti"/>
+        <a:font script="Viet" typeface="Arial"/>
+        <a:font script="Uigh" typeface="Microsoft Uighur"/>
+        <a:font script="Geor" typeface="Sylfaen"/>
+      </a:minorFont>
+    </a:fontScheme>
+    <a:fmtScheme name="Office">
+      <a:fillStyleLst>
+        <a:solidFill>
+          <a:schemeClr val="phClr"/>
+        </a:solidFill>
+        <a:gradFill rotWithShape="1">
+          <a:gsLst>
+            <a:gs pos="0">
+              <a:schemeClr val="phClr">
+                <a:tint val="50000"/>
+                <a:satMod val="300000"/>
+              </a:schemeClr>
+            </a:gs>
+            <a:gs pos="35000">
+              <a:schemeClr val="phClr">
+                <a:tint val="37000"/>
+                <a:satMod val="300000"/>
+              </a:schemeClr>
+            </a:gs>
+            <a:gs pos="100000">
+              <a:schemeClr val="phClr">
+                <a:tint val="15000"/>
+                <a:satMod val="350000"/>
+              </a:schemeClr>
+            </a:gs>
+          </a:gsLst>
+          <a:lin ang="16200000" scaled="1"/>
+        </a:gradFill>
+        <a:gradFill rotWithShape="1">
+          <a:gsLst>
+            <a:gs pos="0">
+              <a:schemeClr val="phClr">
+                <a:tint val="100000"/>
+                <a:shade val="100000"/>
+                <a:satMod val="130000"/>
+              </a:schemeClr>
+            </a:gs>
+            <a:gs pos="100000">
+              <a:schemeClr val="phClr">
+                <a:tint val="50000"/>
+                <a:shade val="100000"/>
+                <a:satMod val="350000"/>
+              </a:schemeClr>
+            </a:gs>
+          </a:gsLst>
+          <a:lin ang="16200000" scaled="0"/>
+        </a:gradFill>
+      </a:fillStyleLst>
+      <a:lnStyleLst>
+        <a:ln w="9525" cap="flat" cmpd="sng" algn="ctr">
+          <a:solidFill>
+            <a:schemeClr val="phClr">
+              <a:shade val="95000"/>
+              <a:satMod val="105000"/>
+            </a:schemeClr>
+          </a:solidFill>
+          <a:prstDash val="solid"/>
+        </a:ln>
+        <a:ln w="25400" cap="flat" cmpd="sng" algn="ctr">
+          <a:solidFill>
+            <a:schemeClr val="phClr"/>
+          </a:solidFill>
+          <a:prstDash val="solid"/>
+        </a:ln>
+        <a:ln w="38100" cap="flat" cmpd="sng" algn="ctr">
+          <a:solidFill>
+            <a:schemeClr val="phClr"/>
+          </a:solidFill>
+          <a:prstDash val="solid"/>
+        </a:ln>
+      </a:lnStyleLst>
+      <a:effectStyleLst>
+        <a:effectStyle>
+          <a:effectLst>
+            <a:outerShdw blurRad="40000" dist="20000" dir="5400000" rotWithShape="0">
+              <a:srgbClr val="000000">
+                <a:alpha val="38000"/>
+              </a:srgbClr>
+            </a:outerShdw>
+          </a:effectLst>
+        </a:effectStyle>
+        <a:effectStyle>
+          <a:effectLst>
+            <a:outerShdw blurRad="40000" dist="23000" dir="5400000" rotWithShape="0">
+              <a:srgbClr val="000000">
+                <a:alpha val="35000"/>
+              </a:srgbClr>
+            </a:outerShdw>
+          </a:effectLst>
+        </a:effectStyle>
+        <a:effectStyle>
+          <a:effectLst>
+            <a:outerShdw blurRad="40000" dist="23000" dir="5400000" rotWithShape="0">
+              <a:srgbClr val="000000">
+                <a:alpha val="35000"/>
+              </a:srgbClr>
+            </a:outerShdw>
+          </a:effectLst>
+          <a:scene3d>
+            <a:camera prst="orthographicFront">
+              <a:rot lat="0" lon="0" rev="0"/>
+            </a:camera>
+            <a:lightRig rig="threePt" dir="t">
+              <a:rot lat="0" lon="0" rev="1200000"/>
+            </a:lightRig>
+          </a:scene3d>
+          <a:sp3d>
+            <a:bevelT w="63500" h="25400"/>
+          </a:sp3d>
+        </a:effectStyle>
+      </a:effectStyleLst>
+      <a:bgFillStyleLst>
+        <a:solidFill>
+          <a:schemeClr val="phClr"/>
+        </a:solidFill>
+        <a:gradFill rotWithShape="1">
+          <a:gsLst>
+            <a:gs pos="0">
+              <a:schemeClr val="phClr">
+                <a:tint val="40000"/>
+                <a:satMod val="350000"/>
+              </a:schemeClr>
+            </a:gs>
+            <a:gs pos="40000">
+              <a:schemeClr val="phClr">
+                <a:tint val="45000"/>
+                <a:shade val="99000"/>
+                <a:satMod val="350000"/>
+              </a:schemeClr>
+            </a:gs>
+            <a:gs pos="100000">
+              <a:schemeClr val="phClr">
+                <a:shade val="20000"/>
+                <a:satMod val="255000"/>
+              </a:schemeClr>
+            </a:gs>
+          </a:gsLst>
+          <a:path path="circle">
+            <a:fillToRect l="50000" t="-80000" r="50000" b="180000"/>
+          </a:path>
+        </a:gradFill>
+        <a:gradFill rotWithShape="1">
+          <a:gsLst>
+            <a:gs pos="0">
+              <a:schemeClr val="phClr">
+                <a:tint val="80000"/>
+                <a:satMod val="300000"/>
+              </a:schemeClr>
+            </a:gs>
+            <a:gs pos="100000">
+              <a:schemeClr val="phClr">
+                <a:shade val="30000"/>
+                <a:satMod val="200000"/>
+              </a:schemeClr>
+            </a:gs>
+          </a:gsLst>
+          <a:path path="circle">
+            <a:fillToRect l="50000" t="50000" r="50000" b="50000"/>
+          </a:path>
+        </a:gradFill>
+      </a:bgFillStyleLst>
+    </a:fmtScheme>
+  </a:themeElements>
+</a:theme>
+</file>
+
+<file path=ppt/theme/theme2.xml><?xml version="1.0" encoding="utf-8"?>
 <a:theme xmlns:a="http://schemas.openxmlformats.org/drawingml/2006/main" xmlns:r="http://schemas.openxmlformats.org/officeDocument/2006/relationships">
   <a:themeElements>
     <a:clrScheme name="Default">
@@ -9057,283 +9328,4 @@
     </a:fmtScheme>
   </a:themeElements>
 </a:theme>
-</file>
-
-<file path=ppt/theme/theme2.xml><?xml version="1.0" encoding="utf-8"?>
-<a:theme xmlns:a="http://schemas.openxmlformats.org/drawingml/2006/main" xmlns:r="http://schemas.openxmlformats.org/officeDocument/2006/relationships" name="Office Theme">
-  <a:themeElements>
-    <a:clrScheme name="Office">
-      <a:dk1>
-        <a:srgbClr val="000000"/>
-      </a:dk1>
-      <a:lt1>
-        <a:srgbClr val="FFFFFF"/>
-      </a:lt1>
-      <a:dk2>
-        <a:srgbClr val="1F497D"/>
-      </a:dk2>
-      <a:lt2>
-        <a:srgbClr val="EEECE1"/>
-      </a:lt2>
-      <a:accent1>
-        <a:srgbClr val="4F81BD"/>
-      </a:accent1>
-      <a:accent2>
-        <a:srgbClr val="C0504D"/>
-      </a:accent2>
-      <a:accent3>
-        <a:srgbClr val="9BBB59"/>
-      </a:accent3>
-      <a:accent4>
-        <a:srgbClr val="8064A2"/>
-      </a:accent4>
-      <a:accent5>
-        <a:srgbClr val="4BACC6"/>
-      </a:accent5>
-      <a:accent6>
-        <a:srgbClr val="F79646"/>
-      </a:accent6>
-      <a:hlink>
-        <a:srgbClr val="0000FF"/>
-      </a:hlink>
-      <a:folHlink>
-        <a:srgbClr val="800080"/>
-      </a:folHlink>
-    </a:clrScheme>
-    <a:fontScheme name="Office">
-      <a:majorFont>
-        <a:latin typeface="Arial"/>
-        <a:ea typeface=""/>
-        <a:cs typeface=""/>
-        <a:font script="Jpan" typeface="ＭＳ Ｐゴシック"/>
-        <a:font script="Hang" typeface="맑은 고딕"/>
-        <a:font script="Hans" typeface="宋体"/>
-        <a:font script="Hant" typeface="新細明體"/>
-        <a:font script="Arab" typeface="Times New Roman"/>
-        <a:font script="Hebr" typeface="Times New Roman"/>
-        <a:font script="Thai" typeface="Angsana New"/>
-        <a:font script="Ethi" typeface="Nyala"/>
-        <a:font script="Beng" typeface="Vrinda"/>
-        <a:font script="Gujr" typeface="Shruti"/>
-        <a:font script="Khmr" typeface="MoolBoran"/>
-        <a:font script="Knda" typeface="Tunga"/>
-        <a:font script="Guru" typeface="Raavi"/>
-        <a:font script="Cans" typeface="Euphemia"/>
-        <a:font script="Cher" typeface="Plantagenet Cherokee"/>
-        <a:font script="Yiii" typeface="Microsoft Yi Baiti"/>
-        <a:font script="Tibt" typeface="Microsoft Himalaya"/>
-        <a:font script="Thaa" typeface="MV Boli"/>
-        <a:font script="Deva" typeface="Mangal"/>
-        <a:font script="Telu" typeface="Gautami"/>
-        <a:font script="Taml" typeface="Latha"/>
-        <a:font script="Syrc" typeface="Estrangelo Edessa"/>
-        <a:font script="Orya" typeface="Kalinga"/>
-        <a:font script="Mlym" typeface="Kartika"/>
-        <a:font script="Laoo" typeface="DokChampa"/>
-        <a:font script="Sinh" typeface="Iskoola Pota"/>
-        <a:font script="Mong" typeface="Mongolian Baiti"/>
-        <a:font script="Viet" typeface="Times New Roman"/>
-        <a:font script="Uigh" typeface="Microsoft Uighur"/>
-        <a:font script="Geor" typeface="Sylfaen"/>
-      </a:majorFont>
-      <a:minorFont>
-        <a:latin typeface="Arial"/>
-        <a:ea typeface=""/>
-        <a:cs typeface=""/>
-        <a:font script="Jpan" typeface="ＭＳ Ｐゴシック"/>
-        <a:font script="Hang" typeface="맑은 고딕"/>
-        <a:font script="Hans" typeface="宋体"/>
-        <a:font script="Hant" typeface="新細明體"/>
-        <a:font script="Arab" typeface="Arial"/>
-        <a:font script="Hebr" typeface="Arial"/>
-        <a:font script="Thai" typeface="Cordia New"/>
-        <a:font script="Ethi" typeface="Nyala"/>
-        <a:font script="Beng" typeface="Vrinda"/>
-        <a:font script="Gujr" typeface="Shruti"/>
-        <a:font script="Khmr" typeface="DaunPenh"/>
-        <a:font script="Knda" typeface="Tunga"/>
-        <a:font script="Guru" typeface="Raavi"/>
-        <a:font script="Cans" typeface="Euphemia"/>
-        <a:font script="Cher" typeface="Plantagenet Cherokee"/>
-        <a:font script="Yiii" typeface="Microsoft Yi Baiti"/>
-        <a:font script="Tibt" typeface="Microsoft Himalaya"/>
-        <a:font script="Thaa" typeface="MV Boli"/>
-        <a:font script="Deva" typeface="Mangal"/>
-        <a:font script="Telu" typeface="Gautami"/>
-        <a:font script="Taml" typeface="Latha"/>
-        <a:font script="Syrc" typeface="Estrangelo Edessa"/>
-        <a:font script="Orya" typeface="Kalinga"/>
-        <a:font script="Mlym" typeface="Kartika"/>
-        <a:font script="Laoo" typeface="DokChampa"/>
-        <a:font script="Sinh" typeface="Iskoola Pota"/>
-        <a:font script="Mong" typeface="Mongolian Baiti"/>
-        <a:font script="Viet" typeface="Arial"/>
-        <a:font script="Uigh" typeface="Microsoft Uighur"/>
-        <a:font script="Geor" typeface="Sylfaen"/>
-      </a:minorFont>
-    </a:fontScheme>
-    <a:fmtScheme name="Office">
-      <a:fillStyleLst>
-        <a:solidFill>
-          <a:schemeClr val="phClr"/>
-        </a:solidFill>
-        <a:gradFill rotWithShape="1">
-          <a:gsLst>
-            <a:gs pos="0">
-              <a:schemeClr val="phClr">
-                <a:tint val="50000"/>
-                <a:satMod val="300000"/>
-              </a:schemeClr>
-            </a:gs>
-            <a:gs pos="35000">
-              <a:schemeClr val="phClr">
-                <a:tint val="37000"/>
-                <a:satMod val="300000"/>
-              </a:schemeClr>
-            </a:gs>
-            <a:gs pos="100000">
-              <a:schemeClr val="phClr">
-                <a:tint val="15000"/>
-                <a:satMod val="350000"/>
-              </a:schemeClr>
-            </a:gs>
-          </a:gsLst>
-          <a:lin ang="16200000" scaled="1"/>
-        </a:gradFill>
-        <a:gradFill rotWithShape="1">
-          <a:gsLst>
-            <a:gs pos="0">
-              <a:schemeClr val="phClr">
-                <a:tint val="100000"/>
-                <a:shade val="100000"/>
-                <a:satMod val="130000"/>
-              </a:schemeClr>
-            </a:gs>
-            <a:gs pos="100000">
-              <a:schemeClr val="phClr">
-                <a:tint val="50000"/>
-                <a:shade val="100000"/>
-                <a:satMod val="350000"/>
-              </a:schemeClr>
-            </a:gs>
-          </a:gsLst>
-          <a:lin ang="16200000" scaled="0"/>
-        </a:gradFill>
-      </a:fillStyleLst>
-      <a:lnStyleLst>
-        <a:ln w="9525" cap="flat" cmpd="sng" algn="ctr">
-          <a:solidFill>
-            <a:schemeClr val="phClr">
-              <a:shade val="95000"/>
-              <a:satMod val="105000"/>
-            </a:schemeClr>
-          </a:solidFill>
-          <a:prstDash val="solid"/>
-        </a:ln>
-        <a:ln w="25400" cap="flat" cmpd="sng" algn="ctr">
-          <a:solidFill>
-            <a:schemeClr val="phClr"/>
-          </a:solidFill>
-          <a:prstDash val="solid"/>
-        </a:ln>
-        <a:ln w="38100" cap="flat" cmpd="sng" algn="ctr">
-          <a:solidFill>
-            <a:schemeClr val="phClr"/>
-          </a:solidFill>
-          <a:prstDash val="solid"/>
-        </a:ln>
-      </a:lnStyleLst>
-      <a:effectStyleLst>
-        <a:effectStyle>
-          <a:effectLst>
-            <a:outerShdw blurRad="40000" dist="20000" dir="5400000" rotWithShape="0">
-              <a:srgbClr val="000000">
-                <a:alpha val="38000"/>
-              </a:srgbClr>
-            </a:outerShdw>
-          </a:effectLst>
-        </a:effectStyle>
-        <a:effectStyle>
-          <a:effectLst>
-            <a:outerShdw blurRad="40000" dist="23000" dir="5400000" rotWithShape="0">
-              <a:srgbClr val="000000">
-                <a:alpha val="35000"/>
-              </a:srgbClr>
-            </a:outerShdw>
-          </a:effectLst>
-        </a:effectStyle>
-        <a:effectStyle>
-          <a:effectLst>
-            <a:outerShdw blurRad="40000" dist="23000" dir="5400000" rotWithShape="0">
-              <a:srgbClr val="000000">
-                <a:alpha val="35000"/>
-              </a:srgbClr>
-            </a:outerShdw>
-          </a:effectLst>
-          <a:scene3d>
-            <a:camera prst="orthographicFront">
-              <a:rot lat="0" lon="0" rev="0"/>
-            </a:camera>
-            <a:lightRig rig="threePt" dir="t">
-              <a:rot lat="0" lon="0" rev="1200000"/>
-            </a:lightRig>
-          </a:scene3d>
-          <a:sp3d>
-            <a:bevelT w="63500" h="25400"/>
-          </a:sp3d>
-        </a:effectStyle>
-      </a:effectStyleLst>
-      <a:bgFillStyleLst>
-        <a:solidFill>
-          <a:schemeClr val="phClr"/>
-        </a:solidFill>
-        <a:gradFill rotWithShape="1">
-          <a:gsLst>
-            <a:gs pos="0">
-              <a:schemeClr val="phClr">
-                <a:tint val="40000"/>
-                <a:satMod val="350000"/>
-              </a:schemeClr>
-            </a:gs>
-            <a:gs pos="40000">
-              <a:schemeClr val="phClr">
-                <a:tint val="45000"/>
-                <a:shade val="99000"/>
-                <a:satMod val="350000"/>
-              </a:schemeClr>
-            </a:gs>
-            <a:gs pos="100000">
-              <a:schemeClr val="phClr">
-                <a:shade val="20000"/>
-                <a:satMod val="255000"/>
-              </a:schemeClr>
-            </a:gs>
-          </a:gsLst>
-          <a:path path="circle">
-            <a:fillToRect l="50000" t="-80000" r="50000" b="180000"/>
-          </a:path>
-        </a:gradFill>
-        <a:gradFill rotWithShape="1">
-          <a:gsLst>
-            <a:gs pos="0">
-              <a:schemeClr val="phClr">
-                <a:tint val="80000"/>
-                <a:satMod val="300000"/>
-              </a:schemeClr>
-            </a:gs>
-            <a:gs pos="100000">
-              <a:schemeClr val="phClr">
-                <a:shade val="30000"/>
-                <a:satMod val="200000"/>
-              </a:schemeClr>
-            </a:gs>
-          </a:gsLst>
-          <a:path path="circle">
-            <a:fillToRect l="50000" t="50000" r="50000" b="50000"/>
-          </a:path>
-        </a:gradFill>
-      </a:bgFillStyleLst>
-    </a:fmtScheme>
-  </a:themeElements>
-</a:theme>
 </file>